--- a/results_for_bsd/BSD_Figures.pptx
+++ b/results_for_bsd/BSD_Figures.pptx
@@ -10033,7 +10033,7 @@
           <a:p>
             <a:fld id="{7170159B-58A5-B047-8735-1AFBA8D9403D}" type="datetimeFigureOut">
               <a:rPr lang="en-US" smtClean="0"/>
-              <a:t>3/15/20</a:t>
+              <a:t>4/3/20</a:t>
             </a:fld>
             <a:endParaRPr lang="en-US"/>
           </a:p>
@@ -10231,7 +10231,7 @@
           <a:p>
             <a:fld id="{7170159B-58A5-B047-8735-1AFBA8D9403D}" type="datetimeFigureOut">
               <a:rPr lang="en-US" smtClean="0"/>
-              <a:t>3/15/20</a:t>
+              <a:t>4/3/20</a:t>
             </a:fld>
             <a:endParaRPr lang="en-US"/>
           </a:p>
@@ -10439,7 +10439,7 @@
           <a:p>
             <a:fld id="{7170159B-58A5-B047-8735-1AFBA8D9403D}" type="datetimeFigureOut">
               <a:rPr lang="en-US" smtClean="0"/>
-              <a:t>3/15/20</a:t>
+              <a:t>4/3/20</a:t>
             </a:fld>
             <a:endParaRPr lang="en-US"/>
           </a:p>
@@ -10637,7 +10637,7 @@
           <a:p>
             <a:fld id="{7170159B-58A5-B047-8735-1AFBA8D9403D}" type="datetimeFigureOut">
               <a:rPr lang="en-US" smtClean="0"/>
-              <a:t>3/15/20</a:t>
+              <a:t>4/3/20</a:t>
             </a:fld>
             <a:endParaRPr lang="en-US"/>
           </a:p>
@@ -10912,7 +10912,7 @@
           <a:p>
             <a:fld id="{7170159B-58A5-B047-8735-1AFBA8D9403D}" type="datetimeFigureOut">
               <a:rPr lang="en-US" smtClean="0"/>
-              <a:t>3/15/20</a:t>
+              <a:t>4/3/20</a:t>
             </a:fld>
             <a:endParaRPr lang="en-US"/>
           </a:p>
@@ -11177,7 +11177,7 @@
           <a:p>
             <a:fld id="{7170159B-58A5-B047-8735-1AFBA8D9403D}" type="datetimeFigureOut">
               <a:rPr lang="en-US" smtClean="0"/>
-              <a:t>3/15/20</a:t>
+              <a:t>4/3/20</a:t>
             </a:fld>
             <a:endParaRPr lang="en-US"/>
           </a:p>
@@ -11589,7 +11589,7 @@
           <a:p>
             <a:fld id="{7170159B-58A5-B047-8735-1AFBA8D9403D}" type="datetimeFigureOut">
               <a:rPr lang="en-US" smtClean="0"/>
-              <a:t>3/15/20</a:t>
+              <a:t>4/3/20</a:t>
             </a:fld>
             <a:endParaRPr lang="en-US"/>
           </a:p>
@@ -11730,7 +11730,7 @@
           <a:p>
             <a:fld id="{7170159B-58A5-B047-8735-1AFBA8D9403D}" type="datetimeFigureOut">
               <a:rPr lang="en-US" smtClean="0"/>
-              <a:t>3/15/20</a:t>
+              <a:t>4/3/20</a:t>
             </a:fld>
             <a:endParaRPr lang="en-US"/>
           </a:p>
@@ -11843,7 +11843,7 @@
           <a:p>
             <a:fld id="{7170159B-58A5-B047-8735-1AFBA8D9403D}" type="datetimeFigureOut">
               <a:rPr lang="en-US" smtClean="0"/>
-              <a:t>3/15/20</a:t>
+              <a:t>4/3/20</a:t>
             </a:fld>
             <a:endParaRPr lang="en-US"/>
           </a:p>
@@ -12154,7 +12154,7 @@
           <a:p>
             <a:fld id="{7170159B-58A5-B047-8735-1AFBA8D9403D}" type="datetimeFigureOut">
               <a:rPr lang="en-US" smtClean="0"/>
-              <a:t>3/15/20</a:t>
+              <a:t>4/3/20</a:t>
             </a:fld>
             <a:endParaRPr lang="en-US"/>
           </a:p>
@@ -12442,7 +12442,7 @@
           <a:p>
             <a:fld id="{7170159B-58A5-B047-8735-1AFBA8D9403D}" type="datetimeFigureOut">
               <a:rPr lang="en-US" smtClean="0"/>
-              <a:t>3/15/20</a:t>
+              <a:t>4/3/20</a:t>
             </a:fld>
             <a:endParaRPr lang="en-US"/>
           </a:p>
@@ -12683,7 +12683,7 @@
           <a:p>
             <a:fld id="{7170159B-58A5-B047-8735-1AFBA8D9403D}" type="datetimeFigureOut">
               <a:rPr lang="en-US" smtClean="0"/>
-              <a:t>3/15/20</a:t>
+              <a:t>4/3/20</a:t>
             </a:fld>
             <a:endParaRPr lang="en-US"/>
           </a:p>
